--- a/ReactJS.pptx
+++ b/ReactJS.pptx
@@ -16,7 +16,8 @@
     <p:sldId id="276" r:id="rId10"/>
     <p:sldId id="277" r:id="rId11"/>
     <p:sldId id="273" r:id="rId12"/>
-    <p:sldId id="268" r:id="rId13"/>
+    <p:sldId id="279" r:id="rId13"/>
+    <p:sldId id="268" r:id="rId14"/>
   </p:sldIdLst>
   <p:sldSz cx="12192000" cy="6858000"/>
   <p:notesSz cx="6858000" cy="9144000"/>
@@ -254,7 +255,7 @@
           <a:p>
             <a:fld id="{21D79602-A345-3849-A33B-CD44CAA0DA77}" type="datetimeFigureOut">
               <a:rPr lang="en-US" smtClean="0"/>
-              <a:t>4/3/18</a:t>
+              <a:t>4/19/18</a:t>
             </a:fld>
             <a:endParaRPr lang="en-US"/>
           </a:p>
@@ -424,7 +425,7 @@
           <a:p>
             <a:fld id="{21D79602-A345-3849-A33B-CD44CAA0DA77}" type="datetimeFigureOut">
               <a:rPr lang="en-US" smtClean="0"/>
-              <a:t>4/3/18</a:t>
+              <a:t>4/19/18</a:t>
             </a:fld>
             <a:endParaRPr lang="en-US"/>
           </a:p>
@@ -604,7 +605,7 @@
           <a:p>
             <a:fld id="{21D79602-A345-3849-A33B-CD44CAA0DA77}" type="datetimeFigureOut">
               <a:rPr lang="en-US" smtClean="0"/>
-              <a:t>4/3/18</a:t>
+              <a:t>4/19/18</a:t>
             </a:fld>
             <a:endParaRPr lang="en-US"/>
           </a:p>
@@ -774,7 +775,7 @@
           <a:p>
             <a:fld id="{21D79602-A345-3849-A33B-CD44CAA0DA77}" type="datetimeFigureOut">
               <a:rPr lang="en-US" smtClean="0"/>
-              <a:t>4/3/18</a:t>
+              <a:t>4/19/18</a:t>
             </a:fld>
             <a:endParaRPr lang="en-US"/>
           </a:p>
@@ -1020,7 +1021,7 @@
           <a:p>
             <a:fld id="{21D79602-A345-3849-A33B-CD44CAA0DA77}" type="datetimeFigureOut">
               <a:rPr lang="en-US" smtClean="0"/>
-              <a:t>4/3/18</a:t>
+              <a:t>4/19/18</a:t>
             </a:fld>
             <a:endParaRPr lang="en-US"/>
           </a:p>
@@ -1252,7 +1253,7 @@
           <a:p>
             <a:fld id="{21D79602-A345-3849-A33B-CD44CAA0DA77}" type="datetimeFigureOut">
               <a:rPr lang="en-US" smtClean="0"/>
-              <a:t>4/3/18</a:t>
+              <a:t>4/19/18</a:t>
             </a:fld>
             <a:endParaRPr lang="en-US"/>
           </a:p>
@@ -1619,7 +1620,7 @@
           <a:p>
             <a:fld id="{21D79602-A345-3849-A33B-CD44CAA0DA77}" type="datetimeFigureOut">
               <a:rPr lang="en-US" smtClean="0"/>
-              <a:t>4/3/18</a:t>
+              <a:t>4/19/18</a:t>
             </a:fld>
             <a:endParaRPr lang="en-US"/>
           </a:p>
@@ -1737,7 +1738,7 @@
           <a:p>
             <a:fld id="{21D79602-A345-3849-A33B-CD44CAA0DA77}" type="datetimeFigureOut">
               <a:rPr lang="en-US" smtClean="0"/>
-              <a:t>4/3/18</a:t>
+              <a:t>4/19/18</a:t>
             </a:fld>
             <a:endParaRPr lang="en-US"/>
           </a:p>
@@ -1832,7 +1833,7 @@
           <a:p>
             <a:fld id="{21D79602-A345-3849-A33B-CD44CAA0DA77}" type="datetimeFigureOut">
               <a:rPr lang="en-US" smtClean="0"/>
-              <a:t>4/3/18</a:t>
+              <a:t>4/19/18</a:t>
             </a:fld>
             <a:endParaRPr lang="en-US"/>
           </a:p>
@@ -2109,7 +2110,7 @@
           <a:p>
             <a:fld id="{21D79602-A345-3849-A33B-CD44CAA0DA77}" type="datetimeFigureOut">
               <a:rPr lang="en-US" smtClean="0"/>
-              <a:t>4/3/18</a:t>
+              <a:t>4/19/18</a:t>
             </a:fld>
             <a:endParaRPr lang="en-US"/>
           </a:p>
@@ -2362,7 +2363,7 @@
           <a:p>
             <a:fld id="{21D79602-A345-3849-A33B-CD44CAA0DA77}" type="datetimeFigureOut">
               <a:rPr lang="en-US" smtClean="0"/>
-              <a:t>4/3/18</a:t>
+              <a:t>4/19/18</a:t>
             </a:fld>
             <a:endParaRPr lang="en-US"/>
           </a:p>
@@ -2575,7 +2576,7 @@
           <a:p>
             <a:fld id="{21D79602-A345-3849-A33B-CD44CAA0DA77}" type="datetimeFigureOut">
               <a:rPr lang="en-US" smtClean="0"/>
-              <a:t>4/3/18</a:t>
+              <a:t>4/19/18</a:t>
             </a:fld>
             <a:endParaRPr lang="en-US"/>
           </a:p>
@@ -4333,6 +4334,671 @@
       </p:grpSpPr>
       <p:pic>
         <p:nvPicPr>
+          <p:cNvPr id="153" name="Picture 3"/>
+          <p:cNvPicPr/>
+          <p:nvPr/>
+        </p:nvPicPr>
+        <p:blipFill>
+          <a:blip r:embed="rId2"/>
+          <a:stretch/>
+        </p:blipFill>
+        <p:spPr>
+          <a:xfrm>
+            <a:off x="0" y="0"/>
+            <a:ext cx="12189240" cy="6855120"/>
+          </a:xfrm>
+          <a:prstGeom prst="rect">
+            <a:avLst/>
+          </a:prstGeom>
+          <a:ln>
+            <a:noFill/>
+          </a:ln>
+        </p:spPr>
+      </p:pic>
+      <p:sp>
+        <p:nvSpPr>
+          <p:cNvPr id="154" name="CustomShape 1"/>
+          <p:cNvSpPr/>
+          <p:nvPr/>
+        </p:nvSpPr>
+        <p:spPr>
+          <a:xfrm>
+            <a:off x="2177280" y="389520"/>
+            <a:ext cx="8996040" cy="758160"/>
+          </a:xfrm>
+          <a:prstGeom prst="rect">
+            <a:avLst/>
+          </a:prstGeom>
+          <a:noFill/>
+          <a:ln>
+            <a:noFill/>
+          </a:ln>
+        </p:spPr>
+        <p:style>
+          <a:lnRef idx="0">
+            <a:scrgbClr r="0" g="0" b="0"/>
+          </a:lnRef>
+          <a:fillRef idx="0">
+            <a:scrgbClr r="0" g="0" b="0"/>
+          </a:fillRef>
+          <a:effectRef idx="0">
+            <a:scrgbClr r="0" g="0" b="0"/>
+          </a:effectRef>
+          <a:fontRef idx="minor"/>
+        </p:style>
+        <p:txBody>
+          <a:bodyPr lIns="90000" tIns="45000" rIns="90000" bIns="45000"/>
+          <a:lstStyle/>
+          <a:p>
+            <a:pPr>
+              <a:lnSpc>
+                <a:spcPct val="100000"/>
+              </a:lnSpc>
+            </a:pPr>
+            <a:r>
+              <a:rPr lang="en-IN" sz="4400" b="0" strike="noStrike" spc="-1">
+                <a:solidFill>
+                  <a:srgbClr val="FFE699"/>
+                </a:solidFill>
+                <a:uFill>
+                  <a:solidFill>
+                    <a:srgbClr val="FFFFFF"/>
+                  </a:solidFill>
+                </a:uFill>
+                <a:latin typeface="Calibri"/>
+                <a:ea typeface="DejaVu Sans"/>
+              </a:rPr>
+              <a:t>React App Folders and Files</a:t>
+            </a:r>
+            <a:endParaRPr lang="en-IN" sz="1800" b="0" strike="noStrike" spc="-1">
+              <a:solidFill>
+                <a:srgbClr val="000000"/>
+              </a:solidFill>
+              <a:uFill>
+                <a:solidFill>
+                  <a:srgbClr val="FFFFFF"/>
+                </a:solidFill>
+              </a:uFill>
+              <a:latin typeface="Arial"/>
+            </a:endParaRPr>
+          </a:p>
+        </p:txBody>
+      </p:sp>
+      <p:sp>
+        <p:nvSpPr>
+          <p:cNvPr id="155" name="CustomShape 2"/>
+          <p:cNvSpPr/>
+          <p:nvPr/>
+        </p:nvSpPr>
+        <p:spPr>
+          <a:xfrm>
+            <a:off x="2149200" y="1412280"/>
+            <a:ext cx="9794160" cy="4476960"/>
+          </a:xfrm>
+          <a:prstGeom prst="rect">
+            <a:avLst/>
+          </a:prstGeom>
+          <a:noFill/>
+          <a:ln>
+            <a:noFill/>
+          </a:ln>
+        </p:spPr>
+        <p:style>
+          <a:lnRef idx="0">
+            <a:scrgbClr r="0" g="0" b="0"/>
+          </a:lnRef>
+          <a:fillRef idx="0">
+            <a:scrgbClr r="0" g="0" b="0"/>
+          </a:fillRef>
+          <a:effectRef idx="0">
+            <a:scrgbClr r="0" g="0" b="0"/>
+          </a:effectRef>
+          <a:fontRef idx="minor"/>
+        </p:style>
+        <p:txBody>
+          <a:bodyPr lIns="90000" tIns="45000" rIns="90000" bIns="45000"/>
+          <a:lstStyle/>
+          <a:p>
+            <a:pPr marL="216000" indent="-215640">
+              <a:lnSpc>
+                <a:spcPct val="100000"/>
+              </a:lnSpc>
+              <a:buClr>
+                <a:srgbClr val="FFE699"/>
+              </a:buClr>
+              <a:buFont typeface="Wingdings" charset="2"/>
+              <a:buChar char=""/>
+            </a:pPr>
+            <a:r>
+              <a:rPr lang="en-IN" sz="2800" b="0" strike="noStrike" spc="-1">
+                <a:solidFill>
+                  <a:srgbClr val="FFE699"/>
+                </a:solidFill>
+                <a:uFill>
+                  <a:solidFill>
+                    <a:srgbClr val="FFFFFF"/>
+                  </a:solidFill>
+                </a:uFill>
+                <a:latin typeface="Calibri"/>
+                <a:ea typeface="DejaVu Sans"/>
+              </a:rPr>
+              <a:t>Lock files are used to lock the version of the dependencies we are using</a:t>
+            </a:r>
+            <a:endParaRPr lang="en-IN" sz="1800" b="0" strike="noStrike" spc="-1">
+              <a:solidFill>
+                <a:srgbClr val="000000"/>
+              </a:solidFill>
+              <a:uFill>
+                <a:solidFill>
+                  <a:srgbClr val="FFFFFF"/>
+                </a:solidFill>
+              </a:uFill>
+              <a:latin typeface="Arial"/>
+            </a:endParaRPr>
+          </a:p>
+          <a:p>
+            <a:pPr marL="216000" indent="-215640">
+              <a:lnSpc>
+                <a:spcPct val="100000"/>
+              </a:lnSpc>
+              <a:buClr>
+                <a:srgbClr val="FFE699"/>
+              </a:buClr>
+              <a:buFont typeface="Wingdings" charset="2"/>
+              <a:buChar char=""/>
+            </a:pPr>
+            <a:r>
+              <a:rPr lang="en-IN" sz="2800" b="0" strike="noStrike" spc="-1">
+                <a:solidFill>
+                  <a:srgbClr val="FFE699"/>
+                </a:solidFill>
+                <a:uFill>
+                  <a:solidFill>
+                    <a:srgbClr val="FFFFFF"/>
+                  </a:solidFill>
+                </a:uFill>
+                <a:latin typeface="Calibri"/>
+                <a:ea typeface="DejaVu Sans"/>
+              </a:rPr>
+              <a:t>Package.json contains the dependency names, we are using, the versions and the command</a:t>
+            </a:r>
+            <a:endParaRPr lang="en-IN" sz="1800" b="0" strike="noStrike" spc="-1">
+              <a:solidFill>
+                <a:srgbClr val="000000"/>
+              </a:solidFill>
+              <a:uFill>
+                <a:solidFill>
+                  <a:srgbClr val="FFFFFF"/>
+                </a:solidFill>
+              </a:uFill>
+              <a:latin typeface="Arial"/>
+            </a:endParaRPr>
+          </a:p>
+          <a:p>
+            <a:pPr marL="216000" indent="-215640">
+              <a:lnSpc>
+                <a:spcPct val="100000"/>
+              </a:lnSpc>
+              <a:buClr>
+                <a:srgbClr val="FFE699"/>
+              </a:buClr>
+              <a:buFont typeface="Wingdings" charset="2"/>
+              <a:buChar char=""/>
+            </a:pPr>
+            <a:r>
+              <a:rPr lang="en-IN" sz="2800" b="0" strike="noStrike" spc="-1">
+                <a:solidFill>
+                  <a:srgbClr val="FFE699"/>
+                </a:solidFill>
+                <a:uFill>
+                  <a:solidFill>
+                    <a:srgbClr val="FFFFFF"/>
+                  </a:solidFill>
+                </a:uFill>
+                <a:latin typeface="Calibri"/>
+                <a:ea typeface="DejaVu Sans"/>
+              </a:rPr>
+              <a:t>node_modules contains the dependencies and sub dependencies of our project</a:t>
+            </a:r>
+            <a:endParaRPr lang="en-IN" sz="1800" b="0" strike="noStrike" spc="-1">
+              <a:solidFill>
+                <a:srgbClr val="000000"/>
+              </a:solidFill>
+              <a:uFill>
+                <a:solidFill>
+                  <a:srgbClr val="FFFFFF"/>
+                </a:solidFill>
+              </a:uFill>
+              <a:latin typeface="Arial"/>
+            </a:endParaRPr>
+          </a:p>
+          <a:p>
+            <a:pPr marL="216000" indent="-215640">
+              <a:lnSpc>
+                <a:spcPct val="100000"/>
+              </a:lnSpc>
+              <a:buClr>
+                <a:srgbClr val="FFE699"/>
+              </a:buClr>
+              <a:buFont typeface="Wingdings" charset="2"/>
+              <a:buChar char=""/>
+            </a:pPr>
+            <a:r>
+              <a:rPr lang="en-IN" sz="2800" b="0" strike="noStrike" spc="-1">
+                <a:solidFill>
+                  <a:srgbClr val="FFE699"/>
+                </a:solidFill>
+                <a:uFill>
+                  <a:solidFill>
+                    <a:srgbClr val="FFFFFF"/>
+                  </a:solidFill>
+                </a:uFill>
+                <a:latin typeface="Calibri"/>
+                <a:ea typeface="DejaVu Sans"/>
+              </a:rPr>
+              <a:t>Public folder is the root folder provided by React</a:t>
+            </a:r>
+            <a:endParaRPr lang="en-IN" sz="1800" b="0" strike="noStrike" spc="-1">
+              <a:solidFill>
+                <a:srgbClr val="000000"/>
+              </a:solidFill>
+              <a:uFill>
+                <a:solidFill>
+                  <a:srgbClr val="FFFFFF"/>
+                </a:solidFill>
+              </a:uFill>
+              <a:latin typeface="Arial"/>
+            </a:endParaRPr>
+          </a:p>
+          <a:p>
+            <a:pPr marL="216000" indent="-215640">
+              <a:lnSpc>
+                <a:spcPct val="100000"/>
+              </a:lnSpc>
+              <a:buClr>
+                <a:srgbClr val="FFE699"/>
+              </a:buClr>
+              <a:buFont typeface="Wingdings" charset="2"/>
+              <a:buChar char=""/>
+            </a:pPr>
+            <a:r>
+              <a:rPr lang="en-IN" sz="2800" b="0" strike="noStrike" spc="-1">
+                <a:solidFill>
+                  <a:srgbClr val="FFE699"/>
+                </a:solidFill>
+                <a:uFill>
+                  <a:solidFill>
+                    <a:srgbClr val="FFFFFF"/>
+                  </a:solidFill>
+                </a:uFill>
+                <a:latin typeface="Calibri"/>
+                <a:ea typeface="DejaVu Sans"/>
+              </a:rPr>
+              <a:t>The index.html is the web page which begins the React app intialisation</a:t>
+            </a:r>
+            <a:endParaRPr lang="en-IN" sz="1800" b="0" strike="noStrike" spc="-1">
+              <a:solidFill>
+                <a:srgbClr val="000000"/>
+              </a:solidFill>
+              <a:uFill>
+                <a:solidFill>
+                  <a:srgbClr val="FFFFFF"/>
+                </a:solidFill>
+              </a:uFill>
+              <a:latin typeface="Arial"/>
+            </a:endParaRPr>
+          </a:p>
+          <a:p>
+            <a:pPr marL="216000" indent="-215640">
+              <a:lnSpc>
+                <a:spcPct val="100000"/>
+              </a:lnSpc>
+              <a:buClr>
+                <a:srgbClr val="FFE699"/>
+              </a:buClr>
+              <a:buFont typeface="Wingdings" charset="2"/>
+              <a:buChar char=""/>
+            </a:pPr>
+            <a:r>
+              <a:rPr lang="en-IN" sz="2800" b="0" strike="noStrike" spc="-1">
+                <a:solidFill>
+                  <a:srgbClr val="FFE699"/>
+                </a:solidFill>
+                <a:uFill>
+                  <a:solidFill>
+                    <a:srgbClr val="FFFFFF"/>
+                  </a:solidFill>
+                </a:uFill>
+                <a:latin typeface="Calibri"/>
+                <a:ea typeface="DejaVu Sans"/>
+              </a:rPr>
+              <a:t>Manifest.json : define metadata about our application </a:t>
+            </a:r>
+            <a:endParaRPr lang="en-IN" sz="1800" b="0" strike="noStrike" spc="-1">
+              <a:solidFill>
+                <a:srgbClr val="000000"/>
+              </a:solidFill>
+              <a:uFill>
+                <a:solidFill>
+                  <a:srgbClr val="FFFFFF"/>
+                </a:solidFill>
+              </a:uFill>
+              <a:latin typeface="Arial"/>
+            </a:endParaRPr>
+          </a:p>
+          <a:p>
+            <a:pPr>
+              <a:lnSpc>
+                <a:spcPct val="100000"/>
+              </a:lnSpc>
+            </a:pPr>
+            <a:endParaRPr lang="en-IN" sz="1800" b="0" strike="noStrike" spc="-1">
+              <a:solidFill>
+                <a:srgbClr val="000000"/>
+              </a:solidFill>
+              <a:uFill>
+                <a:solidFill>
+                  <a:srgbClr val="FFFFFF"/>
+                </a:solidFill>
+              </a:uFill>
+              <a:latin typeface="Arial"/>
+            </a:endParaRPr>
+          </a:p>
+          <a:p>
+            <a:pPr>
+              <a:lnSpc>
+                <a:spcPct val="100000"/>
+              </a:lnSpc>
+            </a:pPr>
+            <a:endParaRPr lang="en-IN" sz="1800" b="0" strike="noStrike" spc="-1">
+              <a:solidFill>
+                <a:srgbClr val="000000"/>
+              </a:solidFill>
+              <a:uFill>
+                <a:solidFill>
+                  <a:srgbClr val="FFFFFF"/>
+                </a:solidFill>
+              </a:uFill>
+              <a:latin typeface="Arial"/>
+            </a:endParaRPr>
+          </a:p>
+          <a:p>
+            <a:pPr>
+              <a:lnSpc>
+                <a:spcPct val="100000"/>
+              </a:lnSpc>
+            </a:pPr>
+            <a:endParaRPr lang="en-IN" sz="1800" b="0" strike="noStrike" spc="-1">
+              <a:solidFill>
+                <a:srgbClr val="000000"/>
+              </a:solidFill>
+              <a:uFill>
+                <a:solidFill>
+                  <a:srgbClr val="FFFFFF"/>
+                </a:solidFill>
+              </a:uFill>
+              <a:latin typeface="Arial"/>
+            </a:endParaRPr>
+          </a:p>
+          <a:p>
+            <a:pPr>
+              <a:lnSpc>
+                <a:spcPct val="100000"/>
+              </a:lnSpc>
+            </a:pPr>
+            <a:endParaRPr lang="en-IN" sz="1800" b="0" strike="noStrike" spc="-1">
+              <a:solidFill>
+                <a:srgbClr val="000000"/>
+              </a:solidFill>
+              <a:uFill>
+                <a:solidFill>
+                  <a:srgbClr val="FFFFFF"/>
+                </a:solidFill>
+              </a:uFill>
+              <a:latin typeface="Arial"/>
+            </a:endParaRPr>
+          </a:p>
+          <a:p>
+            <a:pPr>
+              <a:lnSpc>
+                <a:spcPct val="100000"/>
+              </a:lnSpc>
+            </a:pPr>
+            <a:endParaRPr lang="en-IN" sz="1800" b="0" strike="noStrike" spc="-1">
+              <a:solidFill>
+                <a:srgbClr val="000000"/>
+              </a:solidFill>
+              <a:uFill>
+                <a:solidFill>
+                  <a:srgbClr val="FFFFFF"/>
+                </a:solidFill>
+              </a:uFill>
+              <a:latin typeface="Arial"/>
+            </a:endParaRPr>
+          </a:p>
+          <a:p>
+            <a:pPr>
+              <a:lnSpc>
+                <a:spcPct val="100000"/>
+              </a:lnSpc>
+            </a:pPr>
+            <a:endParaRPr lang="en-IN" sz="1800" b="0" strike="noStrike" spc="-1">
+              <a:solidFill>
+                <a:srgbClr val="000000"/>
+              </a:solidFill>
+              <a:uFill>
+                <a:solidFill>
+                  <a:srgbClr val="FFFFFF"/>
+                </a:solidFill>
+              </a:uFill>
+              <a:latin typeface="Arial"/>
+            </a:endParaRPr>
+          </a:p>
+          <a:p>
+            <a:pPr>
+              <a:lnSpc>
+                <a:spcPct val="100000"/>
+              </a:lnSpc>
+            </a:pPr>
+            <a:endParaRPr lang="en-IN" sz="1800" b="0" strike="noStrike" spc="-1">
+              <a:solidFill>
+                <a:srgbClr val="000000"/>
+              </a:solidFill>
+              <a:uFill>
+                <a:solidFill>
+                  <a:srgbClr val="FFFFFF"/>
+                </a:solidFill>
+              </a:uFill>
+              <a:latin typeface="Arial"/>
+            </a:endParaRPr>
+          </a:p>
+          <a:p>
+            <a:pPr>
+              <a:lnSpc>
+                <a:spcPct val="100000"/>
+              </a:lnSpc>
+            </a:pPr>
+            <a:endParaRPr lang="en-IN" sz="1800" b="0" strike="noStrike" spc="-1">
+              <a:solidFill>
+                <a:srgbClr val="000000"/>
+              </a:solidFill>
+              <a:uFill>
+                <a:solidFill>
+                  <a:srgbClr val="FFFFFF"/>
+                </a:solidFill>
+              </a:uFill>
+              <a:latin typeface="Arial"/>
+            </a:endParaRPr>
+          </a:p>
+          <a:p>
+            <a:pPr>
+              <a:lnSpc>
+                <a:spcPct val="100000"/>
+              </a:lnSpc>
+            </a:pPr>
+            <a:endParaRPr lang="en-IN" sz="1800" b="0" strike="noStrike" spc="-1">
+              <a:solidFill>
+                <a:srgbClr val="000000"/>
+              </a:solidFill>
+              <a:uFill>
+                <a:solidFill>
+                  <a:srgbClr val="FFFFFF"/>
+                </a:solidFill>
+              </a:uFill>
+              <a:latin typeface="Arial"/>
+            </a:endParaRPr>
+          </a:p>
+          <a:p>
+            <a:pPr>
+              <a:lnSpc>
+                <a:spcPct val="100000"/>
+              </a:lnSpc>
+            </a:pPr>
+            <a:endParaRPr lang="en-IN" sz="1800" b="0" strike="noStrike" spc="-1">
+              <a:solidFill>
+                <a:srgbClr val="000000"/>
+              </a:solidFill>
+              <a:uFill>
+                <a:solidFill>
+                  <a:srgbClr val="FFFFFF"/>
+                </a:solidFill>
+              </a:uFill>
+              <a:latin typeface="Arial"/>
+            </a:endParaRPr>
+          </a:p>
+          <a:p>
+            <a:pPr>
+              <a:lnSpc>
+                <a:spcPct val="100000"/>
+              </a:lnSpc>
+            </a:pPr>
+            <a:endParaRPr lang="en-IN" sz="1800" b="0" strike="noStrike" spc="-1">
+              <a:solidFill>
+                <a:srgbClr val="000000"/>
+              </a:solidFill>
+              <a:uFill>
+                <a:solidFill>
+                  <a:srgbClr val="FFFFFF"/>
+                </a:solidFill>
+              </a:uFill>
+              <a:latin typeface="Arial"/>
+            </a:endParaRPr>
+          </a:p>
+          <a:p>
+            <a:pPr>
+              <a:lnSpc>
+                <a:spcPct val="100000"/>
+              </a:lnSpc>
+            </a:pPr>
+            <a:endParaRPr lang="en-IN" sz="1800" b="0" strike="noStrike" spc="-1">
+              <a:solidFill>
+                <a:srgbClr val="000000"/>
+              </a:solidFill>
+              <a:uFill>
+                <a:solidFill>
+                  <a:srgbClr val="FFFFFF"/>
+                </a:solidFill>
+              </a:uFill>
+              <a:latin typeface="Arial"/>
+            </a:endParaRPr>
+          </a:p>
+          <a:p>
+            <a:pPr>
+              <a:lnSpc>
+                <a:spcPct val="100000"/>
+              </a:lnSpc>
+            </a:pPr>
+            <a:endParaRPr lang="en-IN" sz="1800" b="0" strike="noStrike" spc="-1">
+              <a:solidFill>
+                <a:srgbClr val="000000"/>
+              </a:solidFill>
+              <a:uFill>
+                <a:solidFill>
+                  <a:srgbClr val="FFFFFF"/>
+                </a:solidFill>
+              </a:uFill>
+              <a:latin typeface="Arial"/>
+            </a:endParaRPr>
+          </a:p>
+          <a:p>
+            <a:pPr>
+              <a:lnSpc>
+                <a:spcPct val="100000"/>
+              </a:lnSpc>
+            </a:pPr>
+            <a:endParaRPr lang="en-IN" sz="1800" b="0" strike="noStrike" spc="-1">
+              <a:solidFill>
+                <a:srgbClr val="000000"/>
+              </a:solidFill>
+              <a:uFill>
+                <a:solidFill>
+                  <a:srgbClr val="FFFFFF"/>
+                </a:solidFill>
+              </a:uFill>
+              <a:latin typeface="Arial"/>
+            </a:endParaRPr>
+          </a:p>
+        </p:txBody>
+      </p:sp>
+    </p:spTree>
+    <p:extLst>
+      <p:ext uri="{BB962C8B-B14F-4D97-AF65-F5344CB8AC3E}">
+        <p14:creationId xmlns:p14="http://schemas.microsoft.com/office/powerpoint/2010/main" val="1733086882"/>
+      </p:ext>
+    </p:extLst>
+  </p:cSld>
+  <p:clrMapOvr>
+    <a:masterClrMapping/>
+  </p:clrMapOvr>
+  <p:timing>
+    <p:tnLst>
+      <p:par>
+        <p:cTn id="1" dur="indefinite" restart="never" nodeType="tmRoot">
+          <p:childTnLst>
+            <p:seq>
+              <p:cTn id="2" nodeType="mainSeq"/>
+              <p:prevCondLst>
+                <p:cond evt="onPrev" delay="0">
+                  <p:tgtEl>
+                    <p:sldTgt/>
+                  </p:tgtEl>
+                </p:cond>
+              </p:prevCondLst>
+              <p:nextCondLst>
+                <p:cond evt="onNext" delay="0">
+                  <p:tgtEl>
+                    <p:sldTgt/>
+                  </p:tgtEl>
+                </p:cond>
+              </p:nextCondLst>
+            </p:seq>
+          </p:childTnLst>
+        </p:cTn>
+      </p:par>
+    </p:tnLst>
+  </p:timing>
+</p:sld>
+</file>
+
+<file path=ppt/slides/slide13.xml><?xml version="1.0" encoding="utf-8"?>
+<p:sld xmlns:a="http://schemas.openxmlformats.org/drawingml/2006/main" xmlns:r="http://schemas.openxmlformats.org/officeDocument/2006/relationships" xmlns:p="http://schemas.openxmlformats.org/presentationml/2006/main">
+  <p:cSld>
+    <p:spTree>
+      <p:nvGrpSpPr>
+        <p:cNvPr id="1" name=""/>
+        <p:cNvGrpSpPr/>
+        <p:nvPr/>
+      </p:nvGrpSpPr>
+      <p:grpSpPr>
+        <a:xfrm>
+          <a:off x="0" y="0"/>
+          <a:ext cx="0" cy="0"/>
+          <a:chOff x="0" y="0"/>
+          <a:chExt cx="0" cy="0"/>
+        </a:xfrm>
+      </p:grpSpPr>
+      <p:pic>
+        <p:nvPicPr>
           <p:cNvPr id="4" name="Picture 3"/>
           <p:cNvPicPr>
             <a:picLocks noChangeAspect="1"/>
@@ -5005,29 +5671,7 @@
                   </a:schemeClr>
                 </a:solidFill>
               </a:rPr>
-              <a:t>Primary </a:t>
-            </a:r>
-            <a:r>
-              <a:rPr lang="en-US" sz="3200" dirty="0" smtClean="0">
-                <a:solidFill>
-                  <a:schemeClr val="accent4">
-                    <a:lumMod val="40000"/>
-                    <a:lumOff val="60000"/>
-                  </a:schemeClr>
-                </a:solidFill>
-              </a:rPr>
-              <a:t>Aims </a:t>
-            </a:r>
-            <a:r>
-              <a:rPr lang="en-US" sz="3200" dirty="0" smtClean="0">
-                <a:solidFill>
-                  <a:schemeClr val="accent4">
-                    <a:lumMod val="40000"/>
-                    <a:lumOff val="60000"/>
-                  </a:schemeClr>
-                </a:solidFill>
-              </a:rPr>
-              <a:t>are </a:t>
+              <a:t>Primary Aims are </a:t>
             </a:r>
           </a:p>
           <a:p>
